--- a/HUM1002 Psychology in Everyday Life/project/REVIEW 2.pptx
+++ b/HUM1002 Psychology in Everyday Life/project/REVIEW 2.pptx
@@ -12,7 +12,9 @@
     <p:sldId id="272" r:id="rId6"/>
     <p:sldId id="275" r:id="rId7"/>
     <p:sldId id="280" r:id="rId8"/>
-    <p:sldId id="269" r:id="rId9"/>
+    <p:sldId id="281" r:id="rId9"/>
+    <p:sldId id="282" r:id="rId10"/>
+    <p:sldId id="269" r:id="rId11"/>
   </p:sldIdLst>
   <p:sldSz cx="12192000" cy="6858000"/>
   <p:notesSz cx="6858000" cy="9144000"/>
@@ -289,7 +291,7 @@
           <a:p>
             <a:fld id="{48A87A34-81AB-432B-8DAE-1953F412C126}" type="datetimeFigureOut">
               <a:rPr lang="en-US" dirty="0"/>
-              <a:t>4/8/22</a:t>
+              <a:t>4/9/22</a:t>
             </a:fld>
             <a:endParaRPr lang="en-US" dirty="0"/>
           </a:p>
@@ -551,7 +553,7 @@
           <a:p>
             <a:fld id="{48A87A34-81AB-432B-8DAE-1953F412C126}" type="datetimeFigureOut">
               <a:rPr lang="en-US" dirty="0"/>
-              <a:t>4/8/22</a:t>
+              <a:t>4/9/22</a:t>
             </a:fld>
             <a:endParaRPr lang="en-US" dirty="0"/>
           </a:p>
@@ -778,7 +780,7 @@
             <a:fld id="{48A87A34-81AB-432B-8DAE-1953F412C126}" type="datetimeFigureOut">
               <a:rPr lang="en-US" dirty="0"/>
               <a:pPr/>
-              <a:t>4/8/22</a:t>
+              <a:t>4/9/22</a:t>
             </a:fld>
             <a:endParaRPr lang="en-US" dirty="0"/>
           </a:p>
@@ -1084,7 +1086,7 @@
             <a:fld id="{48A87A34-81AB-432B-8DAE-1953F412C126}" type="datetimeFigureOut">
               <a:rPr lang="en-US" dirty="0"/>
               <a:pPr/>
-              <a:t>4/8/22</a:t>
+              <a:t>4/9/22</a:t>
             </a:fld>
             <a:endParaRPr lang="en-US" dirty="0"/>
           </a:p>
@@ -1553,7 +1555,7 @@
             <a:fld id="{48A87A34-81AB-432B-8DAE-1953F412C126}" type="datetimeFigureOut">
               <a:rPr lang="en-US" dirty="0"/>
               <a:pPr/>
-              <a:t>4/8/22</a:t>
+              <a:t>4/9/22</a:t>
             </a:fld>
             <a:endParaRPr lang="en-US" dirty="0"/>
           </a:p>
@@ -2095,7 +2097,7 @@
           <a:p>
             <a:fld id="{48A87A34-81AB-432B-8DAE-1953F412C126}" type="datetimeFigureOut">
               <a:rPr lang="en-US" dirty="0"/>
-              <a:t>4/8/22</a:t>
+              <a:t>4/9/22</a:t>
             </a:fld>
             <a:endParaRPr lang="en-US" dirty="0"/>
           </a:p>
@@ -2864,7 +2866,7 @@
           <a:p>
             <a:fld id="{48A87A34-81AB-432B-8DAE-1953F412C126}" type="datetimeFigureOut">
               <a:rPr lang="en-US" dirty="0"/>
-              <a:t>4/8/22</a:t>
+              <a:t>4/9/22</a:t>
             </a:fld>
             <a:endParaRPr lang="en-US" dirty="0"/>
           </a:p>
@@ -3034,7 +3036,7 @@
           <a:p>
             <a:fld id="{48A87A34-81AB-432B-8DAE-1953F412C126}" type="datetimeFigureOut">
               <a:rPr lang="en-US" dirty="0"/>
-              <a:t>4/8/22</a:t>
+              <a:t>4/9/22</a:t>
             </a:fld>
             <a:endParaRPr lang="en-US" dirty="0"/>
           </a:p>
@@ -3253,7 +3255,7 @@
             <a:fld id="{48A87A34-81AB-432B-8DAE-1953F412C126}" type="datetimeFigureOut">
               <a:rPr lang="en-US" dirty="0"/>
               <a:pPr/>
-              <a:t>4/8/22</a:t>
+              <a:t>4/9/22</a:t>
             </a:fld>
             <a:endParaRPr lang="en-US" dirty="0"/>
           </a:p>
@@ -3428,7 +3430,7 @@
           <a:p>
             <a:fld id="{48A87A34-81AB-432B-8DAE-1953F412C126}" type="datetimeFigureOut">
               <a:rPr lang="en-US" dirty="0"/>
-              <a:t>4/8/22</a:t>
+              <a:t>4/9/22</a:t>
             </a:fld>
             <a:endParaRPr lang="en-US" dirty="0"/>
           </a:p>
@@ -3713,7 +3715,7 @@
             <a:fld id="{48A87A34-81AB-432B-8DAE-1953F412C126}" type="datetimeFigureOut">
               <a:rPr lang="en-US" dirty="0"/>
               <a:pPr/>
-              <a:t>4/8/22</a:t>
+              <a:t>4/9/22</a:t>
             </a:fld>
             <a:endParaRPr lang="en-US" dirty="0"/>
           </a:p>
@@ -3950,7 +3952,7 @@
           <a:p>
             <a:fld id="{48A87A34-81AB-432B-8DAE-1953F412C126}" type="datetimeFigureOut">
               <a:rPr lang="en-US" dirty="0"/>
-              <a:t>4/8/22</a:t>
+              <a:t>4/9/22</a:t>
             </a:fld>
             <a:endParaRPr lang="en-US" dirty="0"/>
           </a:p>
@@ -4324,7 +4326,7 @@
           <a:p>
             <a:fld id="{48A87A34-81AB-432B-8DAE-1953F412C126}" type="datetimeFigureOut">
               <a:rPr lang="en-US" dirty="0"/>
-              <a:t>4/8/22</a:t>
+              <a:t>4/9/22</a:t>
             </a:fld>
             <a:endParaRPr lang="en-US" dirty="0"/>
           </a:p>
@@ -4437,7 +4439,7 @@
           <a:p>
             <a:fld id="{48A87A34-81AB-432B-8DAE-1953F412C126}" type="datetimeFigureOut">
               <a:rPr lang="en-US" dirty="0"/>
-              <a:t>4/8/22</a:t>
+              <a:t>4/9/22</a:t>
             </a:fld>
             <a:endParaRPr lang="en-US" dirty="0"/>
           </a:p>
@@ -4527,7 +4529,7 @@
           <a:p>
             <a:fld id="{48A87A34-81AB-432B-8DAE-1953F412C126}" type="datetimeFigureOut">
               <a:rPr lang="en-US" dirty="0"/>
-              <a:t>4/8/22</a:t>
+              <a:t>4/9/22</a:t>
             </a:fld>
             <a:endParaRPr lang="en-US" dirty="0"/>
           </a:p>
@@ -4771,7 +4773,7 @@
           <a:p>
             <a:fld id="{48A87A34-81AB-432B-8DAE-1953F412C126}" type="datetimeFigureOut">
               <a:rPr lang="en-US" dirty="0"/>
-              <a:t>4/8/22</a:t>
+              <a:t>4/9/22</a:t>
             </a:fld>
             <a:endParaRPr lang="en-US" dirty="0"/>
           </a:p>
@@ -5023,7 +5025,7 @@
           <a:p>
             <a:fld id="{48A87A34-81AB-432B-8DAE-1953F412C126}" type="datetimeFigureOut">
               <a:rPr lang="en-US" dirty="0"/>
-              <a:t>4/8/22</a:t>
+              <a:t>4/9/22</a:t>
             </a:fld>
             <a:endParaRPr lang="en-US" dirty="0"/>
           </a:p>
@@ -5262,7 +5264,7 @@
             <a:fld id="{48A87A34-81AB-432B-8DAE-1953F412C126}" type="datetimeFigureOut">
               <a:rPr lang="en-US" dirty="0"/>
               <a:pPr/>
-              <a:t>4/8/22</a:t>
+              <a:t>4/9/22</a:t>
             </a:fld>
             <a:endParaRPr lang="en-US" dirty="0"/>
           </a:p>
@@ -5962,6 +5964,133 @@
 </p:sld>
 </file>
 
+<file path=ppt/slides/slide10.xml><?xml version="1.0" encoding="utf-8"?>
+<p:sld xmlns:a="http://schemas.openxmlformats.org/drawingml/2006/main" xmlns:r="http://schemas.openxmlformats.org/officeDocument/2006/relationships" xmlns:p="http://schemas.openxmlformats.org/presentationml/2006/main">
+  <p:cSld>
+    <p:spTree>
+      <p:nvGrpSpPr>
+        <p:cNvPr id="1" name=""/>
+        <p:cNvGrpSpPr/>
+        <p:nvPr/>
+      </p:nvGrpSpPr>
+      <p:grpSpPr>
+        <a:xfrm>
+          <a:off x="0" y="0"/>
+          <a:ext cx="0" cy="0"/>
+          <a:chOff x="0" y="0"/>
+          <a:chExt cx="0" cy="0"/>
+        </a:xfrm>
+      </p:grpSpPr>
+      <p:sp>
+        <p:nvSpPr>
+          <p:cNvPr id="6" name="Rectangle 5">
+            <a:extLst>
+              <a:ext uri="{FF2B5EF4-FFF2-40B4-BE49-F238E27FC236}">
+                <a16:creationId xmlns:a16="http://schemas.microsoft.com/office/drawing/2014/main" id="{D3BD0A5C-0639-4158-A323-E3214D0215F5}"/>
+              </a:ext>
+            </a:extLst>
+          </p:cNvPr>
+          <p:cNvSpPr/>
+          <p:nvPr/>
+        </p:nvSpPr>
+        <p:spPr>
+          <a:xfrm>
+            <a:off x="2858580" y="2967335"/>
+            <a:ext cx="6474849" cy="2800767"/>
+          </a:xfrm>
+          <a:prstGeom prst="rect">
+            <a:avLst/>
+          </a:prstGeom>
+          <a:noFill/>
+        </p:spPr>
+        <p:txBody>
+          <a:bodyPr wrap="none" lIns="91440" tIns="45720" rIns="91440" bIns="45720">
+            <a:spAutoFit/>
+          </a:bodyPr>
+          <a:lstStyle/>
+          <a:p>
+            <a:pPr algn="ctr"/>
+            <a:r>
+              <a:rPr lang="en-US" sz="8800" b="0" cap="none" spc="0" dirty="0">
+                <a:ln w="0"/>
+                <a:gradFill>
+                  <a:gsLst>
+                    <a:gs pos="21000">
+                      <a:srgbClr val="53575C"/>
+                    </a:gs>
+                    <a:gs pos="88000">
+                      <a:srgbClr val="C5C7CA"/>
+                    </a:gs>
+                  </a:gsLst>
+                  <a:lin ang="5400000"/>
+                </a:gradFill>
+                <a:effectLst/>
+              </a:rPr>
+              <a:t>THANK YOU</a:t>
+            </a:r>
+          </a:p>
+          <a:p>
+            <a:pPr algn="ctr"/>
+            <a:r>
+              <a:rPr lang="en-US" sz="8800" dirty="0">
+                <a:ln w="0"/>
+                <a:gradFill>
+                  <a:gsLst>
+                    <a:gs pos="21000">
+                      <a:srgbClr val="53575C"/>
+                    </a:gs>
+                    <a:gs pos="88000">
+                      <a:srgbClr val="C5C7CA"/>
+                    </a:gs>
+                  </a:gsLst>
+                  <a:lin ang="5400000"/>
+                </a:gradFill>
+              </a:rPr>
+              <a:t>!!!</a:t>
+            </a:r>
+            <a:endParaRPr lang="en-US" sz="8800" b="0" cap="none" spc="0" dirty="0">
+              <a:ln w="0"/>
+              <a:gradFill>
+                <a:gsLst>
+                  <a:gs pos="21000">
+                    <a:srgbClr val="53575C"/>
+                  </a:gs>
+                  <a:gs pos="88000">
+                    <a:srgbClr val="C5C7CA"/>
+                  </a:gs>
+                </a:gsLst>
+                <a:lin ang="5400000"/>
+              </a:gradFill>
+              <a:effectLst/>
+            </a:endParaRPr>
+          </a:p>
+        </p:txBody>
+      </p:sp>
+    </p:spTree>
+    <p:extLst>
+      <p:ext uri="{BB962C8B-B14F-4D97-AF65-F5344CB8AC3E}">
+        <p14:creationId xmlns:p14="http://schemas.microsoft.com/office/powerpoint/2010/main" val="218683160"/>
+      </p:ext>
+    </p:extLst>
+  </p:cSld>
+  <p:clrMapOvr>
+    <a:masterClrMapping/>
+  </p:clrMapOvr>
+  <mc:AlternateContent xmlns:mc="http://schemas.openxmlformats.org/markup-compatibility/2006" xmlns:p159="http://schemas.microsoft.com/office/powerpoint/2015/09/main">
+    <mc:Choice Requires="p159">
+      <p:transition xmlns:p14="http://schemas.microsoft.com/office/powerpoint/2010/main" spd="slow" p14:dur="2000">
+        <p159:morph option="byObject"/>
+      </p:transition>
+    </mc:Choice>
+    <mc:Fallback xmlns="">
+      <p:transition spd="slow">
+        <p:fade/>
+      </p:transition>
+    </mc:Fallback>
+  </mc:AlternateContent>
+</p:sld>
+</file>
+
 <file path=ppt/slides/slide2.xml><?xml version="1.0" encoding="utf-8"?>
 <p:sld xmlns:a="http://schemas.openxmlformats.org/drawingml/2006/main" xmlns:r="http://schemas.openxmlformats.org/officeDocument/2006/relationships" xmlns:p="http://schemas.openxmlformats.org/presentationml/2006/main">
   <p:cSld>
@@ -8259,6 +8388,77 @@
           <a:chExt cx="0" cy="0"/>
         </a:xfrm>
       </p:grpSpPr>
+      <p:sp>
+        <p:nvSpPr>
+          <p:cNvPr id="5" name="Rectangle 4">
+            <a:extLst>
+              <a:ext uri="{FF2B5EF4-FFF2-40B4-BE49-F238E27FC236}">
+                <a16:creationId xmlns:a16="http://schemas.microsoft.com/office/drawing/2014/main" id="{875667DB-986D-A64E-B248-0623E8CC00AD}"/>
+              </a:ext>
+            </a:extLst>
+          </p:cNvPr>
+          <p:cNvSpPr/>
+          <p:nvPr/>
+        </p:nvSpPr>
+        <p:spPr>
+          <a:xfrm>
+            <a:off x="8184969" y="294786"/>
+            <a:ext cx="3260829" cy="707886"/>
+          </a:xfrm>
+          <a:prstGeom prst="rect">
+            <a:avLst/>
+          </a:prstGeom>
+        </p:spPr>
+        <p:txBody>
+          <a:bodyPr wrap="none">
+            <a:spAutoFit/>
+          </a:bodyPr>
+          <a:lstStyle/>
+          <a:p>
+            <a:r>
+              <a:rPr lang="en-US" sz="4000" cap="all" dirty="0">
+                <a:solidFill>
+                  <a:prstClr val="white"/>
+                </a:solidFill>
+                <a:ea typeface="+mj-ea"/>
+                <a:cs typeface="+mj-cs"/>
+              </a:rPr>
+              <a:t>OBJECTIVE 1</a:t>
+            </a:r>
+            <a:endParaRPr lang="en-US" dirty="0"/>
+          </a:p>
+        </p:txBody>
+      </p:sp>
+      <p:pic>
+        <p:nvPicPr>
+          <p:cNvPr id="7" name="Picture 6">
+            <a:extLst>
+              <a:ext uri="{FF2B5EF4-FFF2-40B4-BE49-F238E27FC236}">
+                <a16:creationId xmlns:a16="http://schemas.microsoft.com/office/drawing/2014/main" id="{C1137ADE-E5B0-EC4F-ABBB-EB6F6E8298E4}"/>
+              </a:ext>
+            </a:extLst>
+          </p:cNvPr>
+          <p:cNvPicPr>
+            <a:picLocks noChangeAspect="1"/>
+          </p:cNvPicPr>
+          <p:nvPr/>
+        </p:nvPicPr>
+        <p:blipFill>
+          <a:blip r:embed="rId2"/>
+          <a:stretch>
+            <a:fillRect/>
+          </a:stretch>
+        </p:blipFill>
+        <p:spPr>
+          <a:xfrm>
+            <a:off x="197708" y="1213438"/>
+            <a:ext cx="11264308" cy="5349776"/>
+          </a:xfrm>
+          <a:prstGeom prst="rect">
+            <a:avLst/>
+          </a:prstGeom>
+        </p:spPr>
+      </p:pic>
     </p:spTree>
     <p:extLst>
       <p:ext uri="{BB962C8B-B14F-4D97-AF65-F5344CB8AC3E}">
@@ -8291,10 +8491,10 @@
       </p:grpSpPr>
       <p:sp>
         <p:nvSpPr>
-          <p:cNvPr id="6" name="Rectangle 5">
+          <p:cNvPr id="5" name="Rectangle 4">
             <a:extLst>
               <a:ext uri="{FF2B5EF4-FFF2-40B4-BE49-F238E27FC236}">
-                <a16:creationId xmlns:a16="http://schemas.microsoft.com/office/drawing/2014/main" id="{D3BD0A5C-0639-4158-A323-E3214D0215F5}"/>
+                <a16:creationId xmlns:a16="http://schemas.microsoft.com/office/drawing/2014/main" id="{875667DB-986D-A64E-B248-0623E8CC00AD}"/>
               </a:ext>
             </a:extLst>
           </p:cNvPr>
@@ -8303,99 +8503,174 @@
         </p:nvSpPr>
         <p:spPr>
           <a:xfrm>
-            <a:off x="2858580" y="2967335"/>
-            <a:ext cx="6474849" cy="2800767"/>
+            <a:off x="8246753" y="405962"/>
+            <a:ext cx="3260829" cy="707886"/>
           </a:xfrm>
           <a:prstGeom prst="rect">
             <a:avLst/>
           </a:prstGeom>
-          <a:noFill/>
-        </p:spPr>
-        <p:txBody>
-          <a:bodyPr wrap="none" lIns="91440" tIns="45720" rIns="91440" bIns="45720">
+        </p:spPr>
+        <p:txBody>
+          <a:bodyPr wrap="none">
             <a:spAutoFit/>
           </a:bodyPr>
           <a:lstStyle/>
           <a:p>
-            <a:pPr algn="ctr"/>
-            <a:r>
-              <a:rPr lang="en-US" sz="8800" b="0" cap="none" spc="0" dirty="0">
-                <a:ln w="0"/>
-                <a:gradFill>
-                  <a:gsLst>
-                    <a:gs pos="21000">
-                      <a:srgbClr val="53575C"/>
-                    </a:gs>
-                    <a:gs pos="88000">
-                      <a:srgbClr val="C5C7CA"/>
-                    </a:gs>
-                  </a:gsLst>
-                  <a:lin ang="5400000"/>
-                </a:gradFill>
-                <a:effectLst/>
+            <a:r>
+              <a:rPr lang="en-US" sz="4000" cap="all" dirty="0">
+                <a:solidFill>
+                  <a:prstClr val="white"/>
+                </a:solidFill>
+                <a:ea typeface="+mj-ea"/>
+                <a:cs typeface="+mj-cs"/>
               </a:rPr>
-              <a:t>THANK YOU</a:t>
-            </a:r>
-          </a:p>
-          <a:p>
-            <a:pPr algn="ctr"/>
-            <a:r>
-              <a:rPr lang="en-US" sz="8800" dirty="0">
-                <a:ln w="0"/>
-                <a:gradFill>
-                  <a:gsLst>
-                    <a:gs pos="21000">
-                      <a:srgbClr val="53575C"/>
-                    </a:gs>
-                    <a:gs pos="88000">
-                      <a:srgbClr val="C5C7CA"/>
-                    </a:gs>
-                  </a:gsLst>
-                  <a:lin ang="5400000"/>
-                </a:gradFill>
-              </a:rPr>
-              <a:t>!!!</a:t>
-            </a:r>
-            <a:endParaRPr lang="en-US" sz="8800" b="0" cap="none" spc="0" dirty="0">
-              <a:ln w="0"/>
-              <a:gradFill>
-                <a:gsLst>
-                  <a:gs pos="21000">
-                    <a:srgbClr val="53575C"/>
-                  </a:gs>
-                  <a:gs pos="88000">
-                    <a:srgbClr val="C5C7CA"/>
-                  </a:gs>
-                </a:gsLst>
-                <a:lin ang="5400000"/>
-              </a:gradFill>
-              <a:effectLst/>
-            </a:endParaRPr>
-          </a:p>
-        </p:txBody>
-      </p:sp>
+              <a:t>OBJECTIVE 2</a:t>
+            </a:r>
+            <a:endParaRPr lang="en-US" dirty="0"/>
+          </a:p>
+        </p:txBody>
+      </p:sp>
+      <p:pic>
+        <p:nvPicPr>
+          <p:cNvPr id="2" name="Picture 1">
+            <a:extLst>
+              <a:ext uri="{FF2B5EF4-FFF2-40B4-BE49-F238E27FC236}">
+                <a16:creationId xmlns:a16="http://schemas.microsoft.com/office/drawing/2014/main" id="{736A66F0-87F6-5A4C-B33F-40C0999E86BB}"/>
+              </a:ext>
+            </a:extLst>
+          </p:cNvPr>
+          <p:cNvPicPr>
+            <a:picLocks noChangeAspect="1"/>
+          </p:cNvPicPr>
+          <p:nvPr/>
+        </p:nvPicPr>
+        <p:blipFill>
+          <a:blip r:embed="rId2"/>
+          <a:stretch>
+            <a:fillRect/>
+          </a:stretch>
+        </p:blipFill>
+        <p:spPr>
+          <a:xfrm>
+            <a:off x="186289" y="1348661"/>
+            <a:ext cx="11903715" cy="4409588"/>
+          </a:xfrm>
+          <a:prstGeom prst="rect">
+            <a:avLst/>
+          </a:prstGeom>
+        </p:spPr>
+      </p:pic>
     </p:spTree>
     <p:extLst>
       <p:ext uri="{BB962C8B-B14F-4D97-AF65-F5344CB8AC3E}">
-        <p14:creationId xmlns:p14="http://schemas.microsoft.com/office/powerpoint/2010/main" val="218683160"/>
+        <p14:creationId xmlns:p14="http://schemas.microsoft.com/office/powerpoint/2010/main" val="3038490212"/>
       </p:ext>
     </p:extLst>
   </p:cSld>
   <p:clrMapOvr>
     <a:masterClrMapping/>
   </p:clrMapOvr>
-  <mc:AlternateContent xmlns:mc="http://schemas.openxmlformats.org/markup-compatibility/2006" xmlns:p159="http://schemas.microsoft.com/office/powerpoint/2015/09/main">
-    <mc:Choice Requires="p159">
-      <p:transition xmlns:p14="http://schemas.microsoft.com/office/powerpoint/2010/main" spd="slow" p14:dur="2000">
-        <p159:morph option="byObject"/>
-      </p:transition>
-    </mc:Choice>
-    <mc:Fallback xmlns="">
-      <p:transition spd="slow">
-        <p:fade/>
-      </p:transition>
-    </mc:Fallback>
-  </mc:AlternateContent>
+</p:sld>
+</file>
+
+<file path=ppt/slides/slide9.xml><?xml version="1.0" encoding="utf-8"?>
+<p:sld xmlns:a="http://schemas.openxmlformats.org/drawingml/2006/main" xmlns:r="http://schemas.openxmlformats.org/officeDocument/2006/relationships" xmlns:p="http://schemas.openxmlformats.org/presentationml/2006/main">
+  <p:cSld>
+    <p:spTree>
+      <p:nvGrpSpPr>
+        <p:cNvPr id="1" name=""/>
+        <p:cNvGrpSpPr/>
+        <p:nvPr/>
+      </p:nvGrpSpPr>
+      <p:grpSpPr>
+        <a:xfrm>
+          <a:off x="0" y="0"/>
+          <a:ext cx="0" cy="0"/>
+          <a:chOff x="0" y="0"/>
+          <a:chExt cx="0" cy="0"/>
+        </a:xfrm>
+      </p:grpSpPr>
+      <p:sp>
+        <p:nvSpPr>
+          <p:cNvPr id="5" name="Rectangle 4">
+            <a:extLst>
+              <a:ext uri="{FF2B5EF4-FFF2-40B4-BE49-F238E27FC236}">
+                <a16:creationId xmlns:a16="http://schemas.microsoft.com/office/drawing/2014/main" id="{875667DB-986D-A64E-B248-0623E8CC00AD}"/>
+              </a:ext>
+            </a:extLst>
+          </p:cNvPr>
+          <p:cNvSpPr/>
+          <p:nvPr/>
+        </p:nvSpPr>
+        <p:spPr>
+          <a:xfrm>
+            <a:off x="8246753" y="677846"/>
+            <a:ext cx="3260829" cy="707886"/>
+          </a:xfrm>
+          <a:prstGeom prst="rect">
+            <a:avLst/>
+          </a:prstGeom>
+        </p:spPr>
+        <p:txBody>
+          <a:bodyPr wrap="none">
+            <a:spAutoFit/>
+          </a:bodyPr>
+          <a:lstStyle/>
+          <a:p>
+            <a:r>
+              <a:rPr lang="en-US" sz="4000" cap="all" dirty="0">
+                <a:solidFill>
+                  <a:prstClr val="white"/>
+                </a:solidFill>
+                <a:ea typeface="+mj-ea"/>
+                <a:cs typeface="+mj-cs"/>
+              </a:rPr>
+              <a:t>OBJECTIVE 3</a:t>
+            </a:r>
+            <a:endParaRPr lang="en-US" dirty="0"/>
+          </a:p>
+        </p:txBody>
+      </p:sp>
+      <p:pic>
+        <p:nvPicPr>
+          <p:cNvPr id="2" name="Picture 1">
+            <a:extLst>
+              <a:ext uri="{FF2B5EF4-FFF2-40B4-BE49-F238E27FC236}">
+                <a16:creationId xmlns:a16="http://schemas.microsoft.com/office/drawing/2014/main" id="{6A5B5E08-3325-1644-815E-F72C98B8DCB1}"/>
+              </a:ext>
+            </a:extLst>
+          </p:cNvPr>
+          <p:cNvPicPr>
+            <a:picLocks noChangeAspect="1"/>
+          </p:cNvPicPr>
+          <p:nvPr/>
+        </p:nvPicPr>
+        <p:blipFill>
+          <a:blip r:embed="rId2"/>
+          <a:stretch>
+            <a:fillRect/>
+          </a:stretch>
+        </p:blipFill>
+        <p:spPr>
+          <a:xfrm>
+            <a:off x="216976" y="1385733"/>
+            <a:ext cx="11839092" cy="4426132"/>
+          </a:xfrm>
+          <a:prstGeom prst="rect">
+            <a:avLst/>
+          </a:prstGeom>
+        </p:spPr>
+      </p:pic>
+    </p:spTree>
+    <p:extLst>
+      <p:ext uri="{BB962C8B-B14F-4D97-AF65-F5344CB8AC3E}">
+        <p14:creationId xmlns:p14="http://schemas.microsoft.com/office/powerpoint/2010/main" val="2079452574"/>
+      </p:ext>
+    </p:extLst>
+  </p:cSld>
+  <p:clrMapOvr>
+    <a:masterClrMapping/>
+  </p:clrMapOvr>
 </p:sld>
 </file>
 
